--- a/neural (1).pptx
+++ b/neural (1).pptx
@@ -329,6 +329,11 @@
       </a:defRPr>
     </a:lvl9pPr>
   </p:defaultTextStyle>
+  <p:extLst>
+    <p:ext uri="{EFAFB233-063F-42B5-8137-9DF3F51BA10A}">
+      <p15:sldGuideLst xmlns:p15="http://schemas.microsoft.com/office/powerpoint/2012/main"/>
+    </p:ext>
+  </p:extLst>
 </p:presentation>
 </file>
 
@@ -1862,7 +1867,7 @@
           </a:ln>
           <a:extLst>
             <a:ext uri="{C572A759-6A51-4108-AA02-DFA0A04FC94B}">
-              <ma14:wrappingTextBoxFlag xmlns:ma14="http://schemas.microsoft.com/office/mac/drawingml/2011/main" xmlns:a14="http://schemas.microsoft.com/office/drawing/2010/main" xmlns:m="http://schemas.openxmlformats.org/officeDocument/2006/math" xmlns="" val="1"/>
+              <ma14:wrappingTextBoxFlag xmlns="" xmlns:m="http://schemas.openxmlformats.org/officeDocument/2006/math" xmlns:a14="http://schemas.microsoft.com/office/drawing/2010/main" xmlns:ma14="http://schemas.microsoft.com/office/mac/drawingml/2011/main" val="1"/>
             </a:ext>
           </a:extLst>
         </p:spPr>
@@ -1901,7 +1906,7 @@
           </a:ln>
           <a:extLst>
             <a:ext uri="{C572A759-6A51-4108-AA02-DFA0A04FC94B}">
-              <ma14:wrappingTextBoxFlag xmlns:ma14="http://schemas.microsoft.com/office/mac/drawingml/2011/main" xmlns:a14="http://schemas.microsoft.com/office/drawing/2010/main" xmlns:m="http://schemas.openxmlformats.org/officeDocument/2006/math" xmlns="" val="1"/>
+              <ma14:wrappingTextBoxFlag xmlns="" xmlns:m="http://schemas.openxmlformats.org/officeDocument/2006/math" xmlns:a14="http://schemas.microsoft.com/office/drawing/2010/main" xmlns:ma14="http://schemas.microsoft.com/office/mac/drawingml/2011/main" val="1"/>
             </a:ext>
           </a:extLst>
         </p:spPr>
@@ -2754,7 +2759,7 @@
           </a:ln>
           <a:extLst>
             <a:ext uri="{C572A759-6A51-4108-AA02-DFA0A04FC94B}">
-              <ma14:wrappingTextBoxFlag xmlns:ma14="http://schemas.microsoft.com/office/mac/drawingml/2011/main" xmlns:a14="http://schemas.microsoft.com/office/drawing/2010/main" xmlns:m="http://schemas.openxmlformats.org/officeDocument/2006/math" xmlns="" val="1"/>
+              <ma14:wrappingTextBoxFlag xmlns="" xmlns:m="http://schemas.openxmlformats.org/officeDocument/2006/math" xmlns:a14="http://schemas.microsoft.com/office/drawing/2010/main" xmlns:ma14="http://schemas.microsoft.com/office/mac/drawingml/2011/main" val="1"/>
             </a:ext>
           </a:extLst>
         </p:spPr>
@@ -4335,7 +4340,7 @@
           </a:ln>
           <a:extLst>
             <a:ext uri="{C572A759-6A51-4108-AA02-DFA0A04FC94B}">
-              <ma14:wrappingTextBoxFlag xmlns:ma14="http://schemas.microsoft.com/office/mac/drawingml/2011/main" xmlns:a14="http://schemas.microsoft.com/office/drawing/2010/main" xmlns:m="http://schemas.openxmlformats.org/officeDocument/2006/math" xmlns="" val="1"/>
+              <ma14:wrappingTextBoxFlag xmlns="" xmlns:m="http://schemas.openxmlformats.org/officeDocument/2006/math" xmlns:a14="http://schemas.microsoft.com/office/drawing/2010/main" xmlns:ma14="http://schemas.microsoft.com/office/mac/drawingml/2011/main" val="1"/>
             </a:ext>
           </a:extLst>
         </p:spPr>
@@ -4584,7 +4589,7 @@
           </a:ln>
           <a:extLst>
             <a:ext uri="{C572A759-6A51-4108-AA02-DFA0A04FC94B}">
-              <ma14:wrappingTextBoxFlag xmlns:ma14="http://schemas.microsoft.com/office/mac/drawingml/2011/main" xmlns:a14="http://schemas.microsoft.com/office/drawing/2010/main" xmlns:m="http://schemas.openxmlformats.org/officeDocument/2006/math" xmlns="" val="1"/>
+              <ma14:wrappingTextBoxFlag xmlns="" xmlns:m="http://schemas.openxmlformats.org/officeDocument/2006/math" xmlns:a14="http://schemas.microsoft.com/office/drawing/2010/main" xmlns:ma14="http://schemas.microsoft.com/office/mac/drawingml/2011/main" val="1"/>
             </a:ext>
           </a:extLst>
         </p:spPr>
@@ -4672,7 +4677,7 @@
           </a:ln>
           <a:extLst>
             <a:ext uri="{C572A759-6A51-4108-AA02-DFA0A04FC94B}">
-              <ma14:wrappingTextBoxFlag xmlns:ma14="http://schemas.microsoft.com/office/mac/drawingml/2011/main" xmlns:a14="http://schemas.microsoft.com/office/drawing/2010/main" xmlns:m="http://schemas.openxmlformats.org/officeDocument/2006/math" xmlns="" val="1"/>
+              <ma14:wrappingTextBoxFlag xmlns="" xmlns:m="http://schemas.openxmlformats.org/officeDocument/2006/math" xmlns:a14="http://schemas.microsoft.com/office/drawing/2010/main" xmlns:ma14="http://schemas.microsoft.com/office/mac/drawingml/2011/main" val="1"/>
             </a:ext>
           </a:extLst>
         </p:spPr>
@@ -4716,7 +4721,7 @@
           </a:ln>
           <a:extLst>
             <a:ext uri="{C572A759-6A51-4108-AA02-DFA0A04FC94B}">
-              <ma14:wrappingTextBoxFlag xmlns:ma14="http://schemas.microsoft.com/office/mac/drawingml/2011/main" xmlns:a14="http://schemas.microsoft.com/office/drawing/2010/main" xmlns:m="http://schemas.openxmlformats.org/officeDocument/2006/math" xmlns="" val="1"/>
+              <ma14:wrappingTextBoxFlag xmlns="" xmlns:m="http://schemas.openxmlformats.org/officeDocument/2006/math" xmlns:a14="http://schemas.microsoft.com/office/drawing/2010/main" xmlns:ma14="http://schemas.microsoft.com/office/mac/drawingml/2011/main" val="1"/>
             </a:ext>
           </a:extLst>
         </p:spPr>
@@ -5138,7 +5143,7 @@
         <p:push dir="u"/>
       </p:transition>
     </mc:Choice>
-    <mc:Fallback xmlns:a14="http://schemas.microsoft.com/office/drawing/2010/main" xmlns:m="http://schemas.openxmlformats.org/officeDocument/2006/math" xmlns="">
+    <mc:Fallback xmlns="" xmlns:m="http://schemas.openxmlformats.org/officeDocument/2006/math" xmlns:a14="http://schemas.microsoft.com/office/drawing/2010/main">
       <p:transition spd="slow">
         <p:fade/>
       </p:transition>
@@ -5183,7 +5188,7 @@
           </a:ln>
           <a:extLst>
             <a:ext uri="{C572A759-6A51-4108-AA02-DFA0A04FC94B}">
-              <ma14:wrappingTextBoxFlag xmlns:ma14="http://schemas.microsoft.com/office/mac/drawingml/2011/main" xmlns:a14="http://schemas.microsoft.com/office/drawing/2010/main" xmlns:m="http://schemas.openxmlformats.org/officeDocument/2006/math" xmlns="" val="1"/>
+              <ma14:wrappingTextBoxFlag xmlns="" xmlns:m="http://schemas.openxmlformats.org/officeDocument/2006/math" xmlns:a14="http://schemas.microsoft.com/office/drawing/2010/main" xmlns:ma14="http://schemas.microsoft.com/office/mac/drawingml/2011/main" val="1"/>
             </a:ext>
           </a:extLst>
         </p:spPr>
@@ -5218,13 +5223,13 @@
           <p:nvPr>
             <p:extLst>
               <p:ext uri="{D42A27DB-BD31-4B8C-83A1-F6EECF244321}">
-                <p14:modId xmlns:p14="http://schemas.microsoft.com/office/powerpoint/2010/main" val="2984588658"/>
+                <p14:modId xmlns:p14="http://schemas.microsoft.com/office/powerpoint/2010/main" val="868549103"/>
               </p:ext>
             </p:extLst>
           </p:nvPr>
         </p:nvGraphicFramePr>
         <p:xfrm>
-          <a:off x="269450" y="1484783"/>
+          <a:off x="311699" y="1288840"/>
           <a:ext cx="8407006" cy="4367113"/>
         </p:xfrm>
         <a:graphic>
@@ -5467,14 +5472,28 @@
                         <a:defRPr sz="1800"/>
                       </a:pPr>
                       <a:r>
-                        <a:rPr sz="800">
+                        <a:rPr lang="en-IN" sz="800" b="0" i="0" u="none" strike="noStrike" cap="none" spc="0" baseline="0" dirty="0">
+                          <a:solidFill>
+                            <a:srgbClr val="000000"/>
+                          </a:solidFill>
+                          <a:uFillTx/>
                           <a:latin typeface="Roboto"/>
                           <a:ea typeface="Roboto"/>
                           <a:cs typeface="Roboto"/>
-                          <a:sym typeface="Roboto"/>
+                          <a:sym typeface="Calibri"/>
                         </a:rPr>
-                        <a:t>Data preprocessing and exploratory data analysis</a:t>
+                        <a:t>Technical Demonstrator</a:t>
                       </a:r>
+                      <a:endParaRPr sz="800" b="0" i="0" u="none" strike="noStrike" cap="none" spc="0" baseline="0" dirty="0">
+                        <a:solidFill>
+                          <a:srgbClr val="000000"/>
+                        </a:solidFill>
+                        <a:uFillTx/>
+                        <a:latin typeface="Roboto"/>
+                        <a:ea typeface="Roboto"/>
+                        <a:cs typeface="Roboto"/>
+                        <a:sym typeface="Roboto"/>
+                      </a:endParaRPr>
                     </a:p>
                   </a:txBody>
                   <a:tcPr marL="91425" marR="91425" marT="91425" marB="91425" anchor="ctr" horzOverflow="overflow">
@@ -5513,13 +5532,26 @@
                         <a:defRPr sz="1800"/>
                       </a:pPr>
                       <a:r>
+                        <a:rPr lang="en-GB" sz="800" b="0" i="0" u="none" strike="noStrike" cap="none" spc="0" baseline="0" dirty="0">
+                          <a:solidFill>
+                            <a:srgbClr val="000000"/>
+                          </a:solidFill>
+                          <a:uFillTx/>
+                          <a:latin typeface="Roboto"/>
+                          <a:ea typeface="Roboto"/>
+                          <a:cs typeface="Roboto"/>
+                          <a:sym typeface="Calibri"/>
+                        </a:rPr>
+                        <a:t>Leads live demonstration of system functionality (e.g., facial recognition for attendance, user management). Explains technical aspects including codebase, Flask integration, and OpenCV usage.</a:t>
+                      </a:r>
+                      <a:r>
                         <a:rPr sz="800" dirty="0">
                           <a:latin typeface="Roboto"/>
                           <a:ea typeface="Roboto"/>
                           <a:cs typeface="Roboto"/>
                           <a:sym typeface="Roboto"/>
                         </a:rPr>
-                        <a:t>We have completed the implementation of sentiment analysis using machine learning in Python. </a:t>
+                        <a:t>. </a:t>
                       </a:r>
                     </a:p>
                   </a:txBody>
@@ -5646,21 +5678,46 @@
                     <a:bodyPr/>
                     <a:lstStyle/>
                     <a:p>
-                      <a:pPr algn="ctr" defTabSz="685800">
+                      <a:pPr marL="0" marR="0" indent="0" algn="ctr" defTabSz="685800" rtl="0" latinLnBrk="0">
                         <a:lnSpc>
                           <a:spcPct val="150000"/>
                         </a:lnSpc>
+                        <a:spcBef>
+                          <a:spcPts val="0"/>
+                        </a:spcBef>
+                        <a:spcAft>
+                          <a:spcPts val="0"/>
+                        </a:spcAft>
+                        <a:buClrTx/>
+                        <a:buSzTx/>
+                        <a:buFontTx/>
+                        <a:buNone/>
+                        <a:tabLst/>
                         <a:defRPr sz="1800"/>
                       </a:pPr>
                       <a:r>
-                        <a:rPr sz="800">
+                        <a:rPr lang="en-IN" sz="800" b="0" i="0" u="none" strike="noStrike" cap="none" spc="0" baseline="0" dirty="0">
+                          <a:solidFill>
+                            <a:srgbClr val="000000"/>
+                          </a:solidFill>
+                          <a:uFillTx/>
                           <a:latin typeface="Roboto"/>
                           <a:ea typeface="Roboto"/>
                           <a:cs typeface="Roboto"/>
-                          <a:sym typeface="Roboto"/>
+                          <a:sym typeface="Calibri"/>
                         </a:rPr>
-                        <a:t>Model definition and evaluation</a:t>
+                        <a:t>Designer/UI/UX Specialist</a:t>
                       </a:r>
+                      <a:endParaRPr sz="800" b="0" i="0" u="none" strike="noStrike" cap="none" spc="0" baseline="0" dirty="0">
+                        <a:solidFill>
+                          <a:srgbClr val="000000"/>
+                        </a:solidFill>
+                        <a:uFillTx/>
+                        <a:latin typeface="Roboto"/>
+                        <a:ea typeface="Roboto"/>
+                        <a:cs typeface="Roboto"/>
+                        <a:sym typeface="Roboto"/>
+                      </a:endParaRPr>
                     </a:p>
                   </a:txBody>
                   <a:tcPr marL="91425" marR="91425" marT="91425" marB="91425" anchor="ctr" horzOverflow="overflow">
@@ -5699,33 +5756,23 @@
                         <a:defRPr sz="1800"/>
                       </a:pPr>
                       <a:r>
-                        <a:rPr lang="en-GB" sz="800" dirty="0">
+                        <a:rPr lang="en-GB" sz="800" b="0" i="0" u="none" strike="noStrike" cap="none" spc="0" baseline="0" dirty="0">
+                          <a:solidFill>
+                            <a:srgbClr val="000000"/>
+                          </a:solidFill>
+                          <a:uFillTx/>
                           <a:latin typeface="Roboto"/>
                           <a:ea typeface="Roboto"/>
                           <a:cs typeface="Roboto"/>
-                          <a:sym typeface="Roboto"/>
+                          <a:sym typeface="Calibri"/>
                         </a:rPr>
-                        <a:t>We have loaded the dataset, </a:t>
+                        <a:t>Focuses on visual design and user experience. Discusses interface aesthetics, layout, typography, and usability considerations. Highlights design principles applied for positive user interaction.</a:t>
                       </a:r>
-                      <a:r>
-                        <a:rPr lang="en-GB" sz="800" dirty="0" err="1">
-                          <a:latin typeface="Roboto"/>
-                          <a:ea typeface="Roboto"/>
-                          <a:cs typeface="Roboto"/>
-                          <a:sym typeface="Roboto"/>
-                        </a:rPr>
-                        <a:t>preprocessed</a:t>
-                      </a:r>
-                      <a:r>
-                        <a:rPr lang="en-GB" sz="800" dirty="0">
-                          <a:latin typeface="Roboto"/>
-                          <a:ea typeface="Roboto"/>
-                          <a:cs typeface="Roboto"/>
-                          <a:sym typeface="Roboto"/>
-                        </a:rPr>
-                        <a:t> the data</a:t>
-                      </a:r>
-                      <a:endParaRPr sz="800" dirty="0">
+                      <a:endParaRPr sz="800" b="0" i="0" u="none" strike="noStrike" cap="none" spc="0" baseline="0" dirty="0">
+                        <a:solidFill>
+                          <a:srgbClr val="000000"/>
+                        </a:solidFill>
+                        <a:uFillTx/>
                         <a:latin typeface="Roboto"/>
                         <a:ea typeface="Roboto"/>
                         <a:cs typeface="Roboto"/>
@@ -5863,7 +5910,7 @@
                         <a:defRPr sz="1800"/>
                       </a:pPr>
                       <a:r>
-                        <a:rPr sz="800">
+                        <a:rPr lang="en-IN" sz="800" dirty="0">
                           <a:latin typeface="Roboto"/>
                           <a:ea typeface="Roboto"/>
                           <a:cs typeface="Roboto"/>
@@ -5909,7 +5956,7 @@
                         <a:defRPr sz="1800"/>
                       </a:pPr>
                       <a:r>
-                        <a:rPr sz="800">
+                        <a:rPr sz="800" dirty="0">
                           <a:latin typeface="Roboto"/>
                           <a:ea typeface="Roboto"/>
                           <a:cs typeface="Roboto"/>

--- a/neural (1).pptx
+++ b/neural (1).pptx
@@ -5,7 +5,7 @@
     <p:sldMasterId id="2147483648" r:id="rId1"/>
   </p:sldMasterIdLst>
   <p:notesMasterIdLst>
-    <p:notesMasterId r:id="rId22"/>
+    <p:notesMasterId r:id="rId23"/>
   </p:notesMasterIdLst>
   <p:sldIdLst>
     <p:sldId id="256" r:id="rId2"/>
@@ -22,12 +22,13 @@
     <p:sldId id="267" r:id="rId13"/>
     <p:sldId id="268" r:id="rId14"/>
     <p:sldId id="269" r:id="rId15"/>
-    <p:sldId id="270" r:id="rId16"/>
-    <p:sldId id="271" r:id="rId17"/>
-    <p:sldId id="272" r:id="rId18"/>
-    <p:sldId id="273" r:id="rId19"/>
-    <p:sldId id="274" r:id="rId20"/>
-    <p:sldId id="275" r:id="rId21"/>
+    <p:sldId id="276" r:id="rId16"/>
+    <p:sldId id="270" r:id="rId17"/>
+    <p:sldId id="271" r:id="rId18"/>
+    <p:sldId id="272" r:id="rId19"/>
+    <p:sldId id="273" r:id="rId20"/>
+    <p:sldId id="274" r:id="rId21"/>
+    <p:sldId id="275" r:id="rId22"/>
   </p:sldIdLst>
   <p:sldSz cx="9144000" cy="6858000" type="screen4x3"/>
   <p:notesSz cx="6858000" cy="9144000"/>
@@ -1867,7 +1868,7 @@
           </a:ln>
           <a:extLst>
             <a:ext uri="{C572A759-6A51-4108-AA02-DFA0A04FC94B}">
-              <ma14:wrappingTextBoxFlag xmlns="" xmlns:m="http://schemas.openxmlformats.org/officeDocument/2006/math" xmlns:a14="http://schemas.microsoft.com/office/drawing/2010/main" xmlns:ma14="http://schemas.microsoft.com/office/mac/drawingml/2011/main" val="1"/>
+              <ma14:wrappingTextBoxFlag xmlns:ma14="http://schemas.microsoft.com/office/mac/drawingml/2011/main" xmlns:a14="http://schemas.microsoft.com/office/drawing/2010/main" xmlns:m="http://schemas.openxmlformats.org/officeDocument/2006/math" xmlns="" val="1"/>
             </a:ext>
           </a:extLst>
         </p:spPr>
@@ -1906,7 +1907,7 @@
           </a:ln>
           <a:extLst>
             <a:ext uri="{C572A759-6A51-4108-AA02-DFA0A04FC94B}">
-              <ma14:wrappingTextBoxFlag xmlns="" xmlns:m="http://schemas.openxmlformats.org/officeDocument/2006/math" xmlns:a14="http://schemas.microsoft.com/office/drawing/2010/main" xmlns:ma14="http://schemas.microsoft.com/office/mac/drawingml/2011/main" val="1"/>
+              <ma14:wrappingTextBoxFlag xmlns:ma14="http://schemas.microsoft.com/office/mac/drawingml/2011/main" xmlns:a14="http://schemas.microsoft.com/office/drawing/2010/main" xmlns:m="http://schemas.openxmlformats.org/officeDocument/2006/math" xmlns="" val="1"/>
             </a:ext>
           </a:extLst>
         </p:spPr>
@@ -2759,7 +2760,7 @@
           </a:ln>
           <a:extLst>
             <a:ext uri="{C572A759-6A51-4108-AA02-DFA0A04FC94B}">
-              <ma14:wrappingTextBoxFlag xmlns="" xmlns:m="http://schemas.openxmlformats.org/officeDocument/2006/math" xmlns:a14="http://schemas.microsoft.com/office/drawing/2010/main" xmlns:ma14="http://schemas.microsoft.com/office/mac/drawingml/2011/main" val="1"/>
+              <ma14:wrappingTextBoxFlag xmlns:ma14="http://schemas.microsoft.com/office/mac/drawingml/2011/main" xmlns:a14="http://schemas.microsoft.com/office/drawing/2010/main" xmlns:m="http://schemas.openxmlformats.org/officeDocument/2006/math" xmlns="" val="1"/>
             </a:ext>
           </a:extLst>
         </p:spPr>
@@ -4134,126 +4135,417 @@
       </p:sp>
       <p:sp>
         <p:nvSpPr>
-          <p:cNvPr id="133" name="Content Placeholder 2"/>
-          <p:cNvSpPr txBox="1">
-            <a:spLocks noGrp="1"/>
+          <p:cNvPr id="4" name="Rectangle 1">
+            <a:extLst>
+              <a:ext uri="{FF2B5EF4-FFF2-40B4-BE49-F238E27FC236}">
+                <a16:creationId xmlns:a16="http://schemas.microsoft.com/office/drawing/2014/main" id="{C086BAFF-0C2F-D534-D2DC-12DDD4159386}"/>
+              </a:ext>
+            </a:extLst>
+          </p:cNvPr>
+          <p:cNvSpPr>
+            <a:spLocks noGrp="1" noChangeArrowheads="1"/>
           </p:cNvSpPr>
           <p:nvPr>
             <p:ph type="body" idx="1"/>
           </p:nvPr>
         </p:nvSpPr>
-        <p:spPr>
+        <p:spPr bwMode="auto">
+          <a:xfrm>
+            <a:off x="628650" y="1489967"/>
+            <a:ext cx="7610281" cy="5002908"/>
+          </a:xfrm>
           <a:prstGeom prst="rect">
             <a:avLst/>
           </a:prstGeom>
+          <a:solidFill>
+            <a:srgbClr val="FFFFFF"/>
+          </a:solidFill>
+          <a:ln>
+            <a:noFill/>
+          </a:ln>
+          <a:effectLst/>
+          <a:extLst>
+            <a:ext uri="{91240B29-F687-4F45-9708-019B960494DF}">
+              <a14:hiddenLine xmlns:a14="http://schemas.microsoft.com/office/drawing/2010/main" w="9525">
+                <a:solidFill>
+                  <a:schemeClr val="tx1"/>
+                </a:solidFill>
+                <a:miter lim="800000"/>
+                <a:headEnd/>
+                <a:tailEnd/>
+              </a14:hiddenLine>
+            </a:ext>
+            <a:ext uri="{AF507438-7753-43E0-B8FC-AC1667EBCBE1}">
+              <a14:hiddenEffects xmlns:a14="http://schemas.microsoft.com/office/drawing/2010/main">
+                <a:effectLst>
+                  <a:outerShdw dist="35921" dir="2700000" algn="ctr" rotWithShape="0">
+                    <a:schemeClr val="bg2"/>
+                  </a:outerShdw>
+                </a:effectLst>
+              </a14:hiddenEffects>
+            </a:ext>
+          </a:extLst>
         </p:spPr>
         <p:txBody>
-          <a:bodyPr/>
+          <a:bodyPr vert="horz" wrap="square" lIns="0" tIns="0" rIns="0" bIns="0" numCol="1" anchor="ctr" anchorCtr="0" compatLnSpc="1">
+            <a:prstTxWarp prst="textNoShape">
+              <a:avLst/>
+            </a:prstTxWarp>
+            <a:spAutoFit/>
+          </a:bodyPr>
           <a:lstStyle/>
           <a:p>
-            <a:pPr>
+            <a:pPr marL="0" marR="0" lvl="0" indent="0" algn="l" defTabSz="914400" rtl="0" eaLnBrk="0" fontAlgn="base" latinLnBrk="0" hangingPunct="0">
               <a:lnSpc>
-                <a:spcPct val="81000"/>
+                <a:spcPct val="100000"/>
               </a:lnSpc>
+              <a:spcBef>
+                <a:spcPct val="0"/>
+              </a:spcBef>
+              <a:spcAft>
+                <a:spcPct val="0"/>
+              </a:spcAft>
+              <a:buClrTx/>
+              <a:buSzTx/>
               <a:buFontTx/>
+              <a:buNone/>
+              <a:tabLst/>
+            </a:pPr>
+            <a:endParaRPr kumimoji="0" lang="en-US" altLang="en-US" sz="1800" b="0" i="0" u="none" strike="noStrike" cap="none" normalizeH="0" baseline="0" dirty="0">
+              <a:ln>
+                <a:noFill/>
+              </a:ln>
+              <a:solidFill>
+                <a:schemeClr val="tx1"/>
+              </a:solidFill>
+              <a:effectLst/>
+              <a:latin typeface="Arial" panose="020B0604020202020204" pitchFamily="34" charset="0"/>
+            </a:endParaRPr>
+          </a:p>
+          <a:p>
+            <a:pPr lvl="0" eaLnBrk="0" fontAlgn="base" hangingPunct="0">
+              <a:lnSpc>
+                <a:spcPct val="70000"/>
+              </a:lnSpc>
+              <a:buFont typeface="+mj-lt"/>
               <a:buAutoNum type="arabicPeriod"/>
-              <a:defRPr sz="1600">
+            </a:pPr>
+            <a:r>
+              <a:rPr lang="en-US" altLang="en-US" sz="1800" b="1" dirty="0" err="1">
                 <a:solidFill>
-                  <a:srgbClr val="374151"/>
+                  <a:srgbClr val="0D0D0D"/>
                 </a:solidFill>
-                <a:latin typeface="Times New Roman"/>
-                <a:ea typeface="Times New Roman"/>
-                <a:cs typeface="Times New Roman"/>
-                <a:sym typeface="Times New Roman"/>
-              </a:defRPr>
-            </a:pPr>
-            <a:r>
-              <a:t>For face recognition using Haar cascade classifiers, the algorithm first needs to be trained on a large dataset of positive and negative images that contain faces and other objects. The positive images contain faces in different positions, orientations, and lighting conditions, while the negative images contain scenes without faces.</a:t>
-            </a:r>
-          </a:p>
-          <a:p>
-            <a:pPr>
+                <a:latin typeface="Söhne"/>
+              </a:rPr>
+              <a:t>Haar</a:t>
+            </a:r>
+            <a:r>
+              <a:rPr lang="en-US" altLang="en-US" sz="1800" b="1" dirty="0">
+                <a:solidFill>
+                  <a:srgbClr val="0D0D0D"/>
+                </a:solidFill>
+                <a:latin typeface="Söhne"/>
+              </a:rPr>
+              <a:t> Cascade Classifier Overview:</a:t>
+            </a:r>
+          </a:p>
+          <a:p>
+            <a:pPr marL="742950" lvl="1" indent="-285750" eaLnBrk="0" fontAlgn="base" hangingPunct="0">
               <a:lnSpc>
-                <a:spcPct val="81000"/>
+                <a:spcPct val="70000"/>
               </a:lnSpc>
+              <a:buFont typeface="+mj-lt"/>
+              <a:buAutoNum type="arabicPeriod"/>
+            </a:pPr>
+            <a:r>
+              <a:rPr lang="en-US" altLang="en-US" sz="1800" dirty="0">
+                <a:solidFill>
+                  <a:srgbClr val="0D0D0D"/>
+                </a:solidFill>
+                <a:latin typeface="Söhne"/>
+              </a:rPr>
+              <a:t>Machine learning approach for object detection.</a:t>
+            </a:r>
+          </a:p>
+          <a:p>
+            <a:pPr marL="742950" lvl="1" indent="-285750" eaLnBrk="0" fontAlgn="base" hangingPunct="0">
+              <a:lnSpc>
+                <a:spcPct val="70000"/>
+              </a:lnSpc>
+              <a:buFont typeface="+mj-lt"/>
+              <a:buAutoNum type="arabicPeriod"/>
+            </a:pPr>
+            <a:r>
+              <a:rPr lang="en-US" altLang="en-US" sz="1800" dirty="0">
+                <a:solidFill>
+                  <a:srgbClr val="0D0D0D"/>
+                </a:solidFill>
+                <a:latin typeface="Söhne"/>
+              </a:rPr>
+              <a:t>Trained on positive and negative images to recognize patterns.</a:t>
+            </a:r>
+          </a:p>
+          <a:p>
+            <a:pPr eaLnBrk="0" fontAlgn="base" hangingPunct="0">
+              <a:lnSpc>
+                <a:spcPct val="70000"/>
+              </a:lnSpc>
+              <a:buFont typeface="+mj-lt"/>
+              <a:buAutoNum type="arabicPeriod"/>
+            </a:pPr>
+            <a:r>
+              <a:rPr lang="en-US" altLang="en-US" sz="1800" b="1" dirty="0">
+                <a:solidFill>
+                  <a:srgbClr val="0D0D0D"/>
+                </a:solidFill>
+                <a:latin typeface="Söhne"/>
+              </a:rPr>
+              <a:t>Role in Face Detection:</a:t>
+            </a:r>
+          </a:p>
+          <a:p>
+            <a:pPr marL="742950" lvl="1" indent="-285750" eaLnBrk="0" fontAlgn="base" hangingPunct="0">
+              <a:lnSpc>
+                <a:spcPct val="70000"/>
+              </a:lnSpc>
+              <a:buFont typeface="+mj-lt"/>
+              <a:buAutoNum type="arabicPeriod"/>
+            </a:pPr>
+            <a:r>
+              <a:rPr lang="en-US" altLang="en-US" sz="1800" dirty="0">
+                <a:solidFill>
+                  <a:srgbClr val="0D0D0D"/>
+                </a:solidFill>
+                <a:latin typeface="Söhne"/>
+              </a:rPr>
+              <a:t>Used in the code for face detection.</a:t>
+            </a:r>
+          </a:p>
+          <a:p>
+            <a:pPr marL="742950" lvl="1" indent="-285750" eaLnBrk="0" fontAlgn="base" hangingPunct="0">
+              <a:lnSpc>
+                <a:spcPct val="70000"/>
+              </a:lnSpc>
+              <a:buFont typeface="+mj-lt"/>
+              <a:buAutoNum type="arabicPeriod"/>
+            </a:pPr>
+            <a:r>
+              <a:rPr lang="en-US" altLang="en-US" sz="1800" dirty="0">
+                <a:solidFill>
+                  <a:srgbClr val="0D0D0D"/>
+                </a:solidFill>
+                <a:latin typeface="Söhne"/>
+              </a:rPr>
+              <a:t>Initialized with pre-trained model ('haarcascade_frontalface_default.xml').</a:t>
+            </a:r>
+          </a:p>
+          <a:p>
+            <a:pPr lvl="0" eaLnBrk="0" fontAlgn="base" hangingPunct="0">
+              <a:lnSpc>
+                <a:spcPct val="70000"/>
+              </a:lnSpc>
+              <a:buFont typeface="+mj-lt"/>
+              <a:buAutoNum type="arabicPeriod"/>
+            </a:pPr>
+            <a:r>
+              <a:rPr lang="en-US" altLang="en-US" sz="1800" b="1" dirty="0">
+                <a:solidFill>
+                  <a:srgbClr val="0D0D0D"/>
+                </a:solidFill>
+                <a:latin typeface="Söhne"/>
+              </a:rPr>
+              <a:t>Implementation:</a:t>
+            </a:r>
+          </a:p>
+          <a:p>
+            <a:pPr marL="742950" lvl="1" indent="-285750" eaLnBrk="0" fontAlgn="base" hangingPunct="0">
+              <a:lnSpc>
+                <a:spcPct val="70000"/>
+              </a:lnSpc>
+              <a:buFont typeface="+mj-lt"/>
+              <a:buAutoNum type="arabicPeriod"/>
+            </a:pPr>
+            <a:r>
+              <a:rPr lang="en-US" altLang="en-US" sz="1800" dirty="0" err="1">
+                <a:solidFill>
+                  <a:srgbClr val="0D0D0D"/>
+                </a:solidFill>
+                <a:latin typeface="Söhne"/>
+              </a:rPr>
+              <a:t>face_detector</a:t>
+            </a:r>
+            <a:r>
+              <a:rPr lang="en-US" altLang="en-US" sz="1800" dirty="0">
+                <a:solidFill>
+                  <a:srgbClr val="0D0D0D"/>
+                </a:solidFill>
+                <a:latin typeface="Söhne"/>
+              </a:rPr>
+              <a:t> object initialized with the classifier.</a:t>
+            </a:r>
+          </a:p>
+          <a:p>
+            <a:pPr marL="742950" lvl="1" indent="-285750" eaLnBrk="0" fontAlgn="base" hangingPunct="0">
+              <a:lnSpc>
+                <a:spcPct val="70000"/>
+              </a:lnSpc>
+              <a:buFont typeface="+mj-lt"/>
+              <a:buAutoNum type="arabicPeriod"/>
+            </a:pPr>
+            <a:r>
+              <a:rPr lang="en-US" altLang="en-US" sz="1800" dirty="0" err="1">
+                <a:solidFill>
+                  <a:srgbClr val="0D0D0D"/>
+                </a:solidFill>
+                <a:latin typeface="Söhne"/>
+              </a:rPr>
+              <a:t>detectMultiScale</a:t>
+            </a:r>
+            <a:r>
+              <a:rPr lang="en-US" altLang="en-US" sz="1800" dirty="0">
+                <a:solidFill>
+                  <a:srgbClr val="0D0D0D"/>
+                </a:solidFill>
+                <a:latin typeface="Söhne"/>
+              </a:rPr>
+              <a:t>() method used to detect faces in images or frames.</a:t>
+            </a:r>
+          </a:p>
+          <a:p>
+            <a:pPr eaLnBrk="0" fontAlgn="base" hangingPunct="0">
+              <a:lnSpc>
+                <a:spcPct val="70000"/>
+              </a:lnSpc>
+              <a:buFont typeface="+mj-lt"/>
+              <a:buAutoNum type="arabicPeriod"/>
+            </a:pPr>
+            <a:r>
+              <a:rPr lang="en-US" altLang="en-US" sz="1800" b="1" dirty="0">
+                <a:solidFill>
+                  <a:srgbClr val="0D0D0D"/>
+                </a:solidFill>
+                <a:latin typeface="Söhne"/>
+              </a:rPr>
+              <a:t>Usage:</a:t>
+            </a:r>
+          </a:p>
+          <a:p>
+            <a:pPr marL="742950" lvl="1" indent="-285750" eaLnBrk="0" fontAlgn="base" hangingPunct="0">
+              <a:lnSpc>
+                <a:spcPct val="70000"/>
+              </a:lnSpc>
+              <a:buFont typeface="+mj-lt"/>
+              <a:buAutoNum type="arabicPeriod"/>
+            </a:pPr>
+            <a:r>
+              <a:rPr lang="en-US" altLang="en-US" sz="1800" dirty="0">
+                <a:solidFill>
+                  <a:srgbClr val="0D0D0D"/>
+                </a:solidFill>
+                <a:latin typeface="Söhne"/>
+              </a:rPr>
+              <a:t>Captured frames from webcam processed to detect faces.</a:t>
+            </a:r>
+          </a:p>
+          <a:p>
+            <a:pPr marL="742950" lvl="1" indent="-285750" eaLnBrk="0" fontAlgn="base" hangingPunct="0">
+              <a:lnSpc>
+                <a:spcPct val="70000"/>
+              </a:lnSpc>
+              <a:buFont typeface="+mj-lt"/>
+              <a:buAutoNum type="arabicPeriod"/>
+            </a:pPr>
+            <a:r>
+              <a:rPr lang="en-US" altLang="en-US" sz="1800" dirty="0">
+                <a:solidFill>
+                  <a:srgbClr val="0D0D0D"/>
+                </a:solidFill>
+                <a:latin typeface="Söhne"/>
+              </a:rPr>
+              <a:t>Detected faces utilized for facial recognition or attendance.</a:t>
+            </a:r>
+          </a:p>
+          <a:p>
+            <a:pPr lvl="0" eaLnBrk="0" fontAlgn="base" hangingPunct="0">
+              <a:lnSpc>
+                <a:spcPct val="70000"/>
+              </a:lnSpc>
+              <a:buFont typeface="+mj-lt"/>
+              <a:buAutoNum type="arabicPeriod"/>
+            </a:pPr>
+            <a:r>
+              <a:rPr lang="en-US" altLang="en-US" sz="1800" b="1" dirty="0">
+                <a:solidFill>
+                  <a:srgbClr val="0D0D0D"/>
+                </a:solidFill>
+                <a:latin typeface="Söhne"/>
+              </a:rPr>
+              <a:t>Accuracy and Performance:</a:t>
+            </a:r>
+          </a:p>
+          <a:p>
+            <a:pPr marL="742950" lvl="1" indent="-285750" eaLnBrk="0" fontAlgn="base" hangingPunct="0">
+              <a:lnSpc>
+                <a:spcPct val="70000"/>
+              </a:lnSpc>
+              <a:buFont typeface="+mj-lt"/>
+              <a:buAutoNum type="arabicPeriod"/>
+            </a:pPr>
+            <a:r>
+              <a:rPr lang="en-US" altLang="en-US" sz="1800" dirty="0">
+                <a:solidFill>
+                  <a:srgbClr val="0D0D0D"/>
+                </a:solidFill>
+                <a:latin typeface="Söhne"/>
+              </a:rPr>
+              <a:t>Accuracy influenced by training data quality and detection parameters.</a:t>
+            </a:r>
+          </a:p>
+          <a:p>
+            <a:pPr marL="742950" lvl="1" indent="-285750" eaLnBrk="0" fontAlgn="base" hangingPunct="0">
+              <a:lnSpc>
+                <a:spcPct val="70000"/>
+              </a:lnSpc>
+              <a:buFont typeface="+mj-lt"/>
+              <a:buAutoNum type="arabicPeriod"/>
+            </a:pPr>
+            <a:r>
+              <a:rPr lang="en-US" altLang="en-US" sz="1800" dirty="0">
+                <a:solidFill>
+                  <a:srgbClr val="0D0D0D"/>
+                </a:solidFill>
+                <a:latin typeface="Söhne"/>
+              </a:rPr>
+              <a:t>Performance affected by lighting and occlusions.</a:t>
+            </a:r>
+          </a:p>
+          <a:p>
+            <a:pPr marL="0" marR="0" lvl="0" indent="0" algn="l" defTabSz="914400" rtl="0" eaLnBrk="0" fontAlgn="base" latinLnBrk="0" hangingPunct="0">
+              <a:lnSpc>
+                <a:spcPct val="100000"/>
+              </a:lnSpc>
+              <a:spcBef>
+                <a:spcPct val="0"/>
+              </a:spcBef>
+              <a:spcAft>
+                <a:spcPct val="0"/>
+              </a:spcAft>
+              <a:buClrTx/>
+              <a:buSzTx/>
               <a:buFontTx/>
-              <a:buAutoNum type="arabicPeriod"/>
-              <a:defRPr sz="1600">
-                <a:solidFill>
-                  <a:srgbClr val="374151"/>
-                </a:solidFill>
-                <a:latin typeface="Times New Roman"/>
-                <a:ea typeface="Times New Roman"/>
-                <a:cs typeface="Times New Roman"/>
-                <a:sym typeface="Times New Roman"/>
-              </a:defRPr>
-            </a:pPr>
-            <a:r>
-              <a:t>Once the algorithm is trained, it can be used to detect faces in new images or video streams. The detection process involves sliding a window over the image and applying the Haar cascade classifier to each window. If the classifier detects a face, it is marked as a positive detection.</a:t>
-            </a:r>
-          </a:p>
-          <a:p>
-            <a:pPr>
-              <a:lnSpc>
-                <a:spcPct val="81000"/>
-              </a:lnSpc>
-              <a:buFontTx/>
-              <a:buAutoNum type="arabicPeriod"/>
-              <a:defRPr sz="1600">
-                <a:solidFill>
-                  <a:srgbClr val="374151"/>
-                </a:solidFill>
-                <a:latin typeface="Times New Roman"/>
-                <a:ea typeface="Times New Roman"/>
-                <a:cs typeface="Times New Roman"/>
-                <a:sym typeface="Times New Roman"/>
-              </a:defRPr>
-            </a:pPr>
-            <a:r>
-              <a:t>After detecting the face, the next step is to extract features from the face region. This can be done using techniques such as Local Binary Patterns (LBP) or Histogram of Oriented Gradients (HOG). These features can then be used to recognize the face by comparing them to a database of previously stored faces.</a:t>
-            </a:r>
-          </a:p>
-          <a:p>
-            <a:pPr>
-              <a:lnSpc>
-                <a:spcPct val="81000"/>
-              </a:lnSpc>
-              <a:buFontTx/>
-              <a:buAutoNum type="arabicPeriod"/>
-              <a:defRPr sz="1600">
-                <a:solidFill>
-                  <a:srgbClr val="374151"/>
-                </a:solidFill>
-                <a:latin typeface="Times New Roman"/>
-                <a:ea typeface="Times New Roman"/>
-                <a:cs typeface="Times New Roman"/>
-                <a:sym typeface="Times New Roman"/>
-              </a:defRPr>
-            </a:pPr>
-            <a:r>
-              <a:t>The recognition process involves comparing the features extracted from the detected face to the features of the faces in the database. If a match is found, the detected face is recognized as belonging to the corresponding individual in the database.</a:t>
-            </a:r>
-          </a:p>
-          <a:p>
-            <a:pPr>
-              <a:lnSpc>
-                <a:spcPct val="81000"/>
-              </a:lnSpc>
-              <a:buFontTx/>
-              <a:buAutoNum type="arabicPeriod"/>
-              <a:defRPr sz="1600">
-                <a:solidFill>
-                  <a:srgbClr val="374151"/>
-                </a:solidFill>
-                <a:latin typeface="Times New Roman"/>
-                <a:ea typeface="Times New Roman"/>
-                <a:cs typeface="Times New Roman"/>
-                <a:sym typeface="Times New Roman"/>
-              </a:defRPr>
-            </a:pPr>
-            <a:r>
-              <a:t>Overall, Haar cascade classifiers are one of the many techniques used for face recognition, and they can be effective when combined with other techniques such as feature extraction and matching. However, they do have limitations, such as difficulty in detecting faces under certain lighting conditions or when the face is partially occluded</a:t>
-            </a:r>
+              <a:buNone/>
+              <a:tabLst/>
+            </a:pPr>
+            <a:endParaRPr kumimoji="0" lang="en-US" altLang="en-US" sz="1800" b="0" i="0" u="none" strike="noStrike" cap="none" normalizeH="0" baseline="0" dirty="0">
+              <a:ln>
+                <a:noFill/>
+              </a:ln>
+              <a:solidFill>
+                <a:schemeClr val="tx1"/>
+              </a:solidFill>
+              <a:effectLst/>
+              <a:latin typeface="Arial" panose="020B0604020202020204" pitchFamily="34" charset="0"/>
+            </a:endParaRPr>
           </a:p>
         </p:txBody>
       </p:sp>
@@ -4267,6 +4559,371 @@
 </file>
 
 <file path=ppt/slides/slide15.xml><?xml version="1.0" encoding="utf-8"?>
+<p:sld xmlns:a="http://schemas.openxmlformats.org/drawingml/2006/main" xmlns:r="http://schemas.openxmlformats.org/officeDocument/2006/relationships" xmlns:p="http://schemas.openxmlformats.org/presentationml/2006/main">
+  <p:cSld>
+    <p:spTree>
+      <p:nvGrpSpPr>
+        <p:cNvPr id="1" name=""/>
+        <p:cNvGrpSpPr/>
+        <p:nvPr/>
+      </p:nvGrpSpPr>
+      <p:grpSpPr>
+        <a:xfrm>
+          <a:off x="0" y="0"/>
+          <a:ext cx="0" cy="0"/>
+          <a:chOff x="0" y="0"/>
+          <a:chExt cx="0" cy="0"/>
+        </a:xfrm>
+      </p:grpSpPr>
+      <p:sp>
+        <p:nvSpPr>
+          <p:cNvPr id="2" name="Title 1">
+            <a:extLst>
+              <a:ext uri="{FF2B5EF4-FFF2-40B4-BE49-F238E27FC236}">
+                <a16:creationId xmlns:a16="http://schemas.microsoft.com/office/drawing/2014/main" id="{7E478EE7-206D-23A3-4AC9-D45A084411BB}"/>
+              </a:ext>
+            </a:extLst>
+          </p:cNvPr>
+          <p:cNvSpPr>
+            <a:spLocks noGrp="1"/>
+          </p:cNvSpPr>
+          <p:nvPr>
+            <p:ph type="title"/>
+          </p:nvPr>
+        </p:nvSpPr>
+        <p:spPr/>
+        <p:txBody>
+          <a:bodyPr/>
+          <a:lstStyle/>
+          <a:p>
+            <a:r>
+              <a:rPr lang="en-IN" b="1" i="0" dirty="0">
+                <a:solidFill>
+                  <a:srgbClr val="0D0D0D"/>
+                </a:solidFill>
+                <a:effectLst/>
+                <a:latin typeface="Söhne"/>
+              </a:rPr>
+              <a:t>KNN </a:t>
+            </a:r>
+            <a:endParaRPr lang="en-IN" dirty="0"/>
+          </a:p>
+        </p:txBody>
+      </p:sp>
+      <p:sp>
+        <p:nvSpPr>
+          <p:cNvPr id="3" name="Text Placeholder 2">
+            <a:extLst>
+              <a:ext uri="{FF2B5EF4-FFF2-40B4-BE49-F238E27FC236}">
+                <a16:creationId xmlns:a16="http://schemas.microsoft.com/office/drawing/2014/main" id="{3373C56B-E3B7-081E-1737-FDE3C3F45126}"/>
+              </a:ext>
+            </a:extLst>
+          </p:cNvPr>
+          <p:cNvSpPr>
+            <a:spLocks noGrp="1"/>
+          </p:cNvSpPr>
+          <p:nvPr>
+            <p:ph type="body" idx="1"/>
+          </p:nvPr>
+        </p:nvSpPr>
+        <p:spPr/>
+        <p:txBody>
+          <a:bodyPr>
+            <a:normAutofit fontScale="85000" lnSpcReduction="20000"/>
+          </a:bodyPr>
+          <a:lstStyle/>
+          <a:p>
+            <a:pPr algn="l">
+              <a:buFont typeface="+mj-lt"/>
+              <a:buAutoNum type="arabicPeriod"/>
+            </a:pPr>
+            <a:r>
+              <a:rPr lang="en-GB" b="1" i="0" dirty="0">
+                <a:solidFill>
+                  <a:srgbClr val="0D0D0D"/>
+                </a:solidFill>
+                <a:effectLst/>
+                <a:latin typeface="Söhne"/>
+              </a:rPr>
+              <a:t>KNN Overview</a:t>
+            </a:r>
+            <a:r>
+              <a:rPr lang="en-GB" b="0" i="0" dirty="0">
+                <a:solidFill>
+                  <a:srgbClr val="0D0D0D"/>
+                </a:solidFill>
+                <a:effectLst/>
+                <a:latin typeface="Söhne"/>
+              </a:rPr>
+              <a:t>:</a:t>
+            </a:r>
+          </a:p>
+          <a:p>
+            <a:pPr marL="742950" lvl="1" indent="-285750" algn="l">
+              <a:buFont typeface="+mj-lt"/>
+              <a:buAutoNum type="arabicPeriod"/>
+            </a:pPr>
+            <a:r>
+              <a:rPr lang="en-GB" b="0" i="0" dirty="0">
+                <a:solidFill>
+                  <a:srgbClr val="0D0D0D"/>
+                </a:solidFill>
+                <a:effectLst/>
+                <a:latin typeface="Söhne"/>
+              </a:rPr>
+              <a:t>KNN is a classification algorithm that finds the 'k' nearest data points to a given input and assigns a label based on the majority class among those </a:t>
+            </a:r>
+            <a:r>
+              <a:rPr lang="en-GB" b="0" i="0" dirty="0" err="1">
+                <a:solidFill>
+                  <a:srgbClr val="0D0D0D"/>
+                </a:solidFill>
+                <a:effectLst/>
+                <a:latin typeface="Söhne"/>
+              </a:rPr>
+              <a:t>neighbors</a:t>
+            </a:r>
+            <a:r>
+              <a:rPr lang="en-GB" b="0" i="0" dirty="0">
+                <a:solidFill>
+                  <a:srgbClr val="0D0D0D"/>
+                </a:solidFill>
+                <a:effectLst/>
+                <a:latin typeface="Söhne"/>
+              </a:rPr>
+              <a:t>.</a:t>
+            </a:r>
+          </a:p>
+          <a:p>
+            <a:pPr algn="l">
+              <a:buFont typeface="+mj-lt"/>
+              <a:buAutoNum type="arabicPeriod"/>
+            </a:pPr>
+            <a:r>
+              <a:rPr lang="en-GB" b="1" i="0" dirty="0">
+                <a:solidFill>
+                  <a:srgbClr val="0D0D0D"/>
+                </a:solidFill>
+                <a:effectLst/>
+                <a:latin typeface="Söhne"/>
+              </a:rPr>
+              <a:t>Facial Recognition with KNN</a:t>
+            </a:r>
+            <a:r>
+              <a:rPr lang="en-GB" b="0" i="0" dirty="0">
+                <a:solidFill>
+                  <a:srgbClr val="0D0D0D"/>
+                </a:solidFill>
+                <a:effectLst/>
+                <a:latin typeface="Söhne"/>
+              </a:rPr>
+              <a:t>:</a:t>
+            </a:r>
+          </a:p>
+          <a:p>
+            <a:pPr marL="742950" lvl="1" indent="-285750" algn="l">
+              <a:buFont typeface="+mj-lt"/>
+              <a:buAutoNum type="arabicPeriod"/>
+            </a:pPr>
+            <a:r>
+              <a:rPr lang="en-GB" b="0" i="0" dirty="0">
+                <a:solidFill>
+                  <a:srgbClr val="0D0D0D"/>
+                </a:solidFill>
+                <a:effectLst/>
+                <a:latin typeface="Söhne"/>
+              </a:rPr>
+              <a:t>KNN is used to recognize faces based on features extracted from images.</a:t>
+            </a:r>
+          </a:p>
+          <a:p>
+            <a:pPr marL="742950" lvl="1" indent="-285750" algn="l">
+              <a:buFont typeface="+mj-lt"/>
+              <a:buAutoNum type="arabicPeriod"/>
+            </a:pPr>
+            <a:r>
+              <a:rPr lang="en-GB" b="0" i="0" dirty="0">
+                <a:solidFill>
+                  <a:srgbClr val="0D0D0D"/>
+                </a:solidFill>
+                <a:effectLst/>
+                <a:latin typeface="Söhne"/>
+              </a:rPr>
+              <a:t>Trained on a dataset of faces, where each face is represented by features.</a:t>
+            </a:r>
+          </a:p>
+          <a:p>
+            <a:pPr marL="742950" lvl="1" indent="-285750" algn="l">
+              <a:buFont typeface="+mj-lt"/>
+              <a:buAutoNum type="arabicPeriod"/>
+            </a:pPr>
+            <a:r>
+              <a:rPr lang="en-GB" b="0" i="0" dirty="0">
+                <a:solidFill>
+                  <a:srgbClr val="0D0D0D"/>
+                </a:solidFill>
+                <a:effectLst/>
+                <a:latin typeface="Söhne"/>
+              </a:rPr>
+              <a:t>During recognition, compares input face features with those in the training set, assigning the label of the majority class among 'k' nearest </a:t>
+            </a:r>
+            <a:r>
+              <a:rPr lang="en-GB" b="0" i="0" dirty="0" err="1">
+                <a:solidFill>
+                  <a:srgbClr val="0D0D0D"/>
+                </a:solidFill>
+                <a:effectLst/>
+                <a:latin typeface="Söhne"/>
+              </a:rPr>
+              <a:t>neighbors</a:t>
+            </a:r>
+            <a:r>
+              <a:rPr lang="en-GB" b="0" i="0" dirty="0">
+                <a:solidFill>
+                  <a:srgbClr val="0D0D0D"/>
+                </a:solidFill>
+                <a:effectLst/>
+                <a:latin typeface="Söhne"/>
+              </a:rPr>
+              <a:t>.</a:t>
+            </a:r>
+          </a:p>
+          <a:p>
+            <a:pPr algn="l">
+              <a:buFont typeface="+mj-lt"/>
+              <a:buAutoNum type="arabicPeriod"/>
+            </a:pPr>
+            <a:r>
+              <a:rPr lang="en-GB" b="1" i="0" dirty="0">
+                <a:solidFill>
+                  <a:srgbClr val="0D0D0D"/>
+                </a:solidFill>
+                <a:effectLst/>
+                <a:latin typeface="Söhne"/>
+              </a:rPr>
+              <a:t>Implementation</a:t>
+            </a:r>
+            <a:r>
+              <a:rPr lang="en-GB" b="0" i="0" dirty="0">
+                <a:solidFill>
+                  <a:srgbClr val="0D0D0D"/>
+                </a:solidFill>
+                <a:effectLst/>
+                <a:latin typeface="Söhne"/>
+              </a:rPr>
+              <a:t>:</a:t>
+            </a:r>
+          </a:p>
+          <a:p>
+            <a:pPr marL="742950" lvl="1" indent="-285750" algn="l">
+              <a:buFont typeface="+mj-lt"/>
+              <a:buAutoNum type="arabicPeriod"/>
+            </a:pPr>
+            <a:r>
+              <a:rPr lang="en-GB" b="0" i="0" dirty="0">
+                <a:solidFill>
+                  <a:srgbClr val="0D0D0D"/>
+                </a:solidFill>
+                <a:effectLst/>
+                <a:latin typeface="Söhne"/>
+              </a:rPr>
+              <a:t>In the code, KNN is trained on face images stored in 'static/faces', associating each face's features with its label.</a:t>
+            </a:r>
+          </a:p>
+          <a:p>
+            <a:pPr marL="742950" lvl="1" indent="-285750" algn="l">
+              <a:buFont typeface="+mj-lt"/>
+              <a:buAutoNum type="arabicPeriod"/>
+            </a:pPr>
+            <a:r>
+              <a:rPr lang="en-GB" b="0" i="0" dirty="0">
+                <a:solidFill>
+                  <a:srgbClr val="0D0D0D"/>
+                </a:solidFill>
+                <a:effectLst/>
+                <a:latin typeface="Söhne"/>
+              </a:rPr>
+              <a:t>During recognition (e.g., attendance), the trained KNN predicts the label of detected faces, representing the person's identity.</a:t>
+            </a:r>
+          </a:p>
+          <a:p>
+            <a:pPr algn="l">
+              <a:buFont typeface="+mj-lt"/>
+              <a:buAutoNum type="arabicPeriod"/>
+            </a:pPr>
+            <a:r>
+              <a:rPr lang="en-GB" b="1" i="0" dirty="0">
+                <a:solidFill>
+                  <a:srgbClr val="0D0D0D"/>
+                </a:solidFill>
+                <a:effectLst/>
+                <a:latin typeface="Söhne"/>
+              </a:rPr>
+              <a:t>Accuracy and Performance</a:t>
+            </a:r>
+            <a:r>
+              <a:rPr lang="en-GB" b="0" i="0" dirty="0">
+                <a:solidFill>
+                  <a:srgbClr val="0D0D0D"/>
+                </a:solidFill>
+                <a:effectLst/>
+                <a:latin typeface="Söhne"/>
+              </a:rPr>
+              <a:t>:</a:t>
+            </a:r>
+          </a:p>
+          <a:p>
+            <a:pPr marL="742950" lvl="1" indent="-285750" algn="l">
+              <a:buFont typeface="+mj-lt"/>
+              <a:buAutoNum type="arabicPeriod"/>
+            </a:pPr>
+            <a:r>
+              <a:rPr lang="en-GB" b="0" i="0" dirty="0">
+                <a:solidFill>
+                  <a:srgbClr val="0D0D0D"/>
+                </a:solidFill>
+                <a:effectLst/>
+                <a:latin typeface="Söhne"/>
+              </a:rPr>
+              <a:t>Accuracy depends on dataset quality, feature choice, and 'k' value.</a:t>
+            </a:r>
+          </a:p>
+          <a:p>
+            <a:pPr marL="742950" lvl="1" indent="-285750" algn="l">
+              <a:buFont typeface="+mj-lt"/>
+              <a:buAutoNum type="arabicPeriod"/>
+            </a:pPr>
+            <a:r>
+              <a:rPr lang="en-GB" b="0" i="0" dirty="0">
+                <a:solidFill>
+                  <a:srgbClr val="0D0D0D"/>
+                </a:solidFill>
+                <a:effectLst/>
+                <a:latin typeface="Söhne"/>
+              </a:rPr>
+              <a:t>Performance influenced by dataset size and computational resources.</a:t>
+            </a:r>
+          </a:p>
+          <a:p>
+            <a:endParaRPr lang="en-IN" dirty="0"/>
+          </a:p>
+        </p:txBody>
+      </p:sp>
+    </p:spTree>
+    <p:extLst>
+      <p:ext uri="{BB962C8B-B14F-4D97-AF65-F5344CB8AC3E}">
+        <p14:creationId xmlns:p14="http://schemas.microsoft.com/office/powerpoint/2010/main" val="4119899029"/>
+      </p:ext>
+    </p:extLst>
+  </p:cSld>
+  <p:clrMapOvr>
+    <a:masterClrMapping/>
+  </p:clrMapOvr>
+  <p:transition spd="med"/>
+</p:sld>
+</file>
+
+<file path=ppt/slides/slide16.xml><?xml version="1.0" encoding="utf-8"?>
 <p:sld xmlns:a="http://schemas.openxmlformats.org/drawingml/2006/main" xmlns:r="http://schemas.openxmlformats.org/officeDocument/2006/relationships" xmlns:p="http://schemas.openxmlformats.org/presentationml/2006/main">
   <p:cSld>
     <p:spTree>
@@ -4340,7 +4997,7 @@
           </a:ln>
           <a:extLst>
             <a:ext uri="{C572A759-6A51-4108-AA02-DFA0A04FC94B}">
-              <ma14:wrappingTextBoxFlag xmlns="" xmlns:m="http://schemas.openxmlformats.org/officeDocument/2006/math" xmlns:a14="http://schemas.microsoft.com/office/drawing/2010/main" xmlns:ma14="http://schemas.microsoft.com/office/mac/drawingml/2011/main" val="1"/>
+              <ma14:wrappingTextBoxFlag xmlns:ma14="http://schemas.microsoft.com/office/mac/drawingml/2011/main" xmlns:a14="http://schemas.microsoft.com/office/drawing/2010/main" xmlns:m="http://schemas.openxmlformats.org/officeDocument/2006/math" xmlns="" val="1"/>
             </a:ext>
           </a:extLst>
         </p:spPr>
@@ -4429,7 +5086,7 @@
 </p:sld>
 </file>
 
-<file path=ppt/slides/slide16.xml><?xml version="1.0" encoding="utf-8"?>
+<file path=ppt/slides/slide17.xml><?xml version="1.0" encoding="utf-8"?>
 <p:sld xmlns:a="http://schemas.openxmlformats.org/drawingml/2006/main" xmlns:r="http://schemas.openxmlformats.org/officeDocument/2006/relationships" xmlns:p="http://schemas.openxmlformats.org/presentationml/2006/main">
   <p:cSld>
     <p:spTree>
@@ -4519,7 +5176,7 @@
 </p:sld>
 </file>
 
-<file path=ppt/slides/slide17.xml><?xml version="1.0" encoding="utf-8"?>
+<file path=ppt/slides/slide18.xml><?xml version="1.0" encoding="utf-8"?>
 <p:sld xmlns:a="http://schemas.openxmlformats.org/drawingml/2006/main" xmlns:r="http://schemas.openxmlformats.org/officeDocument/2006/relationships" xmlns:p="http://schemas.openxmlformats.org/presentationml/2006/main">
   <p:cSld>
     <p:spTree>
@@ -4589,7 +5246,7 @@
           </a:ln>
           <a:extLst>
             <a:ext uri="{C572A759-6A51-4108-AA02-DFA0A04FC94B}">
-              <ma14:wrappingTextBoxFlag xmlns="" xmlns:m="http://schemas.openxmlformats.org/officeDocument/2006/math" xmlns:a14="http://schemas.microsoft.com/office/drawing/2010/main" xmlns:ma14="http://schemas.microsoft.com/office/mac/drawingml/2011/main" val="1"/>
+              <ma14:wrappingTextBoxFlag xmlns:ma14="http://schemas.microsoft.com/office/mac/drawingml/2011/main" xmlns:a14="http://schemas.microsoft.com/office/drawing/2010/main" xmlns:m="http://schemas.openxmlformats.org/officeDocument/2006/math" xmlns="" val="1"/>
             </a:ext>
           </a:extLst>
         </p:spPr>
@@ -4641,7 +5298,7 @@
 </p:sld>
 </file>
 
-<file path=ppt/slides/slide18.xml><?xml version="1.0" encoding="utf-8"?>
+<file path=ppt/slides/slide19.xml><?xml version="1.0" encoding="utf-8"?>
 <p:sld xmlns:a="http://schemas.openxmlformats.org/drawingml/2006/main" xmlns:r="http://schemas.openxmlformats.org/officeDocument/2006/relationships" xmlns:p="http://schemas.openxmlformats.org/presentationml/2006/main">
   <p:cSld>
     <p:spTree>
@@ -4677,7 +5334,7 @@
           </a:ln>
           <a:extLst>
             <a:ext uri="{C572A759-6A51-4108-AA02-DFA0A04FC94B}">
-              <ma14:wrappingTextBoxFlag xmlns="" xmlns:m="http://schemas.openxmlformats.org/officeDocument/2006/math" xmlns:a14="http://schemas.microsoft.com/office/drawing/2010/main" xmlns:ma14="http://schemas.microsoft.com/office/mac/drawingml/2011/main" val="1"/>
+              <ma14:wrappingTextBoxFlag xmlns:ma14="http://schemas.microsoft.com/office/mac/drawingml/2011/main" xmlns:a14="http://schemas.microsoft.com/office/drawing/2010/main" xmlns:m="http://schemas.openxmlformats.org/officeDocument/2006/math" xmlns="" val="1"/>
             </a:ext>
           </a:extLst>
         </p:spPr>
@@ -4721,7 +5378,7 @@
           </a:ln>
           <a:extLst>
             <a:ext uri="{C572A759-6A51-4108-AA02-DFA0A04FC94B}">
-              <ma14:wrappingTextBoxFlag xmlns="" xmlns:m="http://schemas.openxmlformats.org/officeDocument/2006/math" xmlns:a14="http://schemas.microsoft.com/office/drawing/2010/main" xmlns:ma14="http://schemas.microsoft.com/office/mac/drawingml/2011/main" val="1"/>
+              <ma14:wrappingTextBoxFlag xmlns:ma14="http://schemas.microsoft.com/office/mac/drawingml/2011/main" xmlns:a14="http://schemas.microsoft.com/office/drawing/2010/main" xmlns:m="http://schemas.openxmlformats.org/officeDocument/2006/math" xmlns="" val="1"/>
             </a:ext>
           </a:extLst>
         </p:spPr>
@@ -4773,144 +5430,6 @@
           </a:ln>
         </p:spPr>
       </p:pic>
-    </p:spTree>
-  </p:cSld>
-  <p:clrMapOvr>
-    <a:masterClrMapping/>
-  </p:clrMapOvr>
-  <p:transition spd="med"/>
-</p:sld>
-</file>
-
-<file path=ppt/slides/slide19.xml><?xml version="1.0" encoding="utf-8"?>
-<p:sld xmlns:a="http://schemas.openxmlformats.org/drawingml/2006/main" xmlns:r="http://schemas.openxmlformats.org/officeDocument/2006/relationships" xmlns:p="http://schemas.openxmlformats.org/presentationml/2006/main">
-  <p:cSld>
-    <p:spTree>
-      <p:nvGrpSpPr>
-        <p:cNvPr id="1" name=""/>
-        <p:cNvGrpSpPr/>
-        <p:nvPr/>
-      </p:nvGrpSpPr>
-      <p:grpSpPr>
-        <a:xfrm>
-          <a:off x="0" y="0"/>
-          <a:ext cx="0" cy="0"/>
-          <a:chOff x="0" y="0"/>
-          <a:chExt cx="0" cy="0"/>
-        </a:xfrm>
-      </p:grpSpPr>
-      <p:sp>
-        <p:nvSpPr>
-          <p:cNvPr id="149" name="Title 1"/>
-          <p:cNvSpPr txBox="1">
-            <a:spLocks noGrp="1"/>
-          </p:cNvSpPr>
-          <p:nvPr>
-            <p:ph type="title"/>
-          </p:nvPr>
-        </p:nvSpPr>
-        <p:spPr>
-          <a:prstGeom prst="rect">
-            <a:avLst/>
-          </a:prstGeom>
-        </p:spPr>
-        <p:txBody>
-          <a:bodyPr/>
-          <a:lstStyle>
-            <a:lvl1pPr>
-              <a:defRPr sz="2800">
-                <a:latin typeface="Times New Roman"/>
-                <a:ea typeface="Times New Roman"/>
-                <a:cs typeface="Times New Roman"/>
-                <a:sym typeface="Times New Roman"/>
-              </a:defRPr>
-            </a:lvl1pPr>
-          </a:lstStyle>
-          <a:p>
-            <a:r>
-              <a:t>REFERENCE :</a:t>
-            </a:r>
-          </a:p>
-        </p:txBody>
-      </p:sp>
-      <p:sp>
-        <p:nvSpPr>
-          <p:cNvPr id="150" name="Content Placeholder 2"/>
-          <p:cNvSpPr txBox="1">
-            <a:spLocks noGrp="1"/>
-          </p:cNvSpPr>
-          <p:nvPr>
-            <p:ph type="body" idx="1"/>
-          </p:nvPr>
-        </p:nvSpPr>
-        <p:spPr>
-          <a:xfrm>
-            <a:off x="683568" y="1556792"/>
-            <a:ext cx="7886701" cy="4351338"/>
-          </a:xfrm>
-          <a:prstGeom prst="rect">
-            <a:avLst/>
-          </a:prstGeom>
-        </p:spPr>
-        <p:txBody>
-          <a:bodyPr/>
-          <a:lstStyle/>
-          <a:p>
-            <a:pPr>
-              <a:buFontTx/>
-              <a:buAutoNum type="arabicPeriod"/>
-              <a:defRPr sz="1400">
-                <a:solidFill>
-                  <a:srgbClr val="374151"/>
-                </a:solidFill>
-                <a:latin typeface="Söhne"/>
-                <a:ea typeface="Söhne"/>
-                <a:cs typeface="Söhne"/>
-                <a:sym typeface="Söhne"/>
-              </a:defRPr>
-            </a:pPr>
-            <a:r>
-              <a:t>Sarwar, S., Khan, R. A., &amp; Javaid, M. (2021). Smart attendance system using face recognition: A review. International Journal of Advanced Science and Technology, 30(1), 2451-2462.</a:t>
-            </a:r>
-          </a:p>
-          <a:p>
-            <a:pPr>
-              <a:buFontTx/>
-              <a:buAutoNum type="arabicPeriod"/>
-              <a:defRPr sz="1400">
-                <a:solidFill>
-                  <a:srgbClr val="374151"/>
-                </a:solidFill>
-                <a:latin typeface="Söhne"/>
-                <a:ea typeface="Söhne"/>
-                <a:cs typeface="Söhne"/>
-                <a:sym typeface="Söhne"/>
-              </a:defRPr>
-            </a:pPr>
-            <a:r>
-              <a:t>Hasan, M., Alam, M. M., &amp; Islam, M. R. (2020). Face recognition-based attendance management system using deep learning. International Journal of Computer Science and Information Security, 18(3), 105-113.</a:t>
-            </a:r>
-          </a:p>
-          <a:p>
-            <a:pPr>
-              <a:buFontTx/>
-              <a:buAutoNum type="arabicPeriod"/>
-              <a:defRPr sz="1400">
-                <a:solidFill>
-                  <a:srgbClr val="374151"/>
-                </a:solidFill>
-                <a:latin typeface="Söhne"/>
-                <a:ea typeface="Söhne"/>
-                <a:cs typeface="Söhne"/>
-                <a:sym typeface="Söhne"/>
-              </a:defRPr>
-            </a:pPr>
-            <a:r>
-              <a:t>Rajkumar, R. J., Arunachalam, S., &amp; Murugan, A. (2020). Face recognition-based attendance management system using convolutional neural network. International Journal of Recent Technology and Engineering, 8(6), 6191-6196.</a:t>
-            </a:r>
-          </a:p>
-        </p:txBody>
-      </p:sp>
     </p:spTree>
   </p:cSld>
   <p:clrMapOvr>
@@ -5096,6 +5615,144 @@
       </p:grpSpPr>
       <p:sp>
         <p:nvSpPr>
+          <p:cNvPr id="149" name="Title 1"/>
+          <p:cNvSpPr txBox="1">
+            <a:spLocks noGrp="1"/>
+          </p:cNvSpPr>
+          <p:nvPr>
+            <p:ph type="title"/>
+          </p:nvPr>
+        </p:nvSpPr>
+        <p:spPr>
+          <a:prstGeom prst="rect">
+            <a:avLst/>
+          </a:prstGeom>
+        </p:spPr>
+        <p:txBody>
+          <a:bodyPr/>
+          <a:lstStyle>
+            <a:lvl1pPr>
+              <a:defRPr sz="2800">
+                <a:latin typeface="Times New Roman"/>
+                <a:ea typeface="Times New Roman"/>
+                <a:cs typeface="Times New Roman"/>
+                <a:sym typeface="Times New Roman"/>
+              </a:defRPr>
+            </a:lvl1pPr>
+          </a:lstStyle>
+          <a:p>
+            <a:r>
+              <a:t>REFERENCE :</a:t>
+            </a:r>
+          </a:p>
+        </p:txBody>
+      </p:sp>
+      <p:sp>
+        <p:nvSpPr>
+          <p:cNvPr id="150" name="Content Placeholder 2"/>
+          <p:cNvSpPr txBox="1">
+            <a:spLocks noGrp="1"/>
+          </p:cNvSpPr>
+          <p:nvPr>
+            <p:ph type="body" idx="1"/>
+          </p:nvPr>
+        </p:nvSpPr>
+        <p:spPr>
+          <a:xfrm>
+            <a:off x="683568" y="1556792"/>
+            <a:ext cx="7886701" cy="4351338"/>
+          </a:xfrm>
+          <a:prstGeom prst="rect">
+            <a:avLst/>
+          </a:prstGeom>
+        </p:spPr>
+        <p:txBody>
+          <a:bodyPr/>
+          <a:lstStyle/>
+          <a:p>
+            <a:pPr>
+              <a:buFontTx/>
+              <a:buAutoNum type="arabicPeriod"/>
+              <a:defRPr sz="1400">
+                <a:solidFill>
+                  <a:srgbClr val="374151"/>
+                </a:solidFill>
+                <a:latin typeface="Söhne"/>
+                <a:ea typeface="Söhne"/>
+                <a:cs typeface="Söhne"/>
+                <a:sym typeface="Söhne"/>
+              </a:defRPr>
+            </a:pPr>
+            <a:r>
+              <a:t>Sarwar, S., Khan, R. A., &amp; Javaid, M. (2021). Smart attendance system using face recognition: A review. International Journal of Advanced Science and Technology, 30(1), 2451-2462.</a:t>
+            </a:r>
+          </a:p>
+          <a:p>
+            <a:pPr>
+              <a:buFontTx/>
+              <a:buAutoNum type="arabicPeriod"/>
+              <a:defRPr sz="1400">
+                <a:solidFill>
+                  <a:srgbClr val="374151"/>
+                </a:solidFill>
+                <a:latin typeface="Söhne"/>
+                <a:ea typeface="Söhne"/>
+                <a:cs typeface="Söhne"/>
+                <a:sym typeface="Söhne"/>
+              </a:defRPr>
+            </a:pPr>
+            <a:r>
+              <a:t>Hasan, M., Alam, M. M., &amp; Islam, M. R. (2020). Face recognition-based attendance management system using deep learning. International Journal of Computer Science and Information Security, 18(3), 105-113.</a:t>
+            </a:r>
+          </a:p>
+          <a:p>
+            <a:pPr>
+              <a:buFontTx/>
+              <a:buAutoNum type="arabicPeriod"/>
+              <a:defRPr sz="1400">
+                <a:solidFill>
+                  <a:srgbClr val="374151"/>
+                </a:solidFill>
+                <a:latin typeface="Söhne"/>
+                <a:ea typeface="Söhne"/>
+                <a:cs typeface="Söhne"/>
+                <a:sym typeface="Söhne"/>
+              </a:defRPr>
+            </a:pPr>
+            <a:r>
+              <a:t>Rajkumar, R. J., Arunachalam, S., &amp; Murugan, A. (2020). Face recognition-based attendance management system using convolutional neural network. International Journal of Recent Technology and Engineering, 8(6), 6191-6196.</a:t>
+            </a:r>
+          </a:p>
+        </p:txBody>
+      </p:sp>
+    </p:spTree>
+  </p:cSld>
+  <p:clrMapOvr>
+    <a:masterClrMapping/>
+  </p:clrMapOvr>
+  <p:transition spd="med"/>
+</p:sld>
+</file>
+
+<file path=ppt/slides/slide21.xml><?xml version="1.0" encoding="utf-8"?>
+<p:sld xmlns:a="http://schemas.openxmlformats.org/drawingml/2006/main" xmlns:r="http://schemas.openxmlformats.org/officeDocument/2006/relationships" xmlns:p="http://schemas.openxmlformats.org/presentationml/2006/main">
+  <p:cSld>
+    <p:spTree>
+      <p:nvGrpSpPr>
+        <p:cNvPr id="1" name=""/>
+        <p:cNvGrpSpPr/>
+        <p:nvPr/>
+      </p:nvGrpSpPr>
+      <p:grpSpPr>
+        <a:xfrm>
+          <a:off x="0" y="0"/>
+          <a:ext cx="0" cy="0"/>
+          <a:chOff x="0" y="0"/>
+          <a:chExt cx="0" cy="0"/>
+        </a:xfrm>
+      </p:grpSpPr>
+      <p:sp>
+        <p:nvSpPr>
           <p:cNvPr id="152" name="Title 1"/>
           <p:cNvSpPr txBox="1">
             <a:spLocks noGrp="1"/>
@@ -5143,7 +5800,7 @@
         <p:push dir="u"/>
       </p:transition>
     </mc:Choice>
-    <mc:Fallback xmlns="" xmlns:m="http://schemas.openxmlformats.org/officeDocument/2006/math" xmlns:a14="http://schemas.microsoft.com/office/drawing/2010/main">
+    <mc:Fallback xmlns:a14="http://schemas.microsoft.com/office/drawing/2010/main" xmlns:m="http://schemas.openxmlformats.org/officeDocument/2006/math" xmlns="">
       <p:transition spd="slow">
         <p:fade/>
       </p:transition>
@@ -5188,7 +5845,7 @@
           </a:ln>
           <a:extLst>
             <a:ext uri="{C572A759-6A51-4108-AA02-DFA0A04FC94B}">
-              <ma14:wrappingTextBoxFlag xmlns="" xmlns:m="http://schemas.openxmlformats.org/officeDocument/2006/math" xmlns:a14="http://schemas.microsoft.com/office/drawing/2010/main" xmlns:ma14="http://schemas.microsoft.com/office/mac/drawingml/2011/main" val="1"/>
+              <ma14:wrappingTextBoxFlag xmlns:ma14="http://schemas.microsoft.com/office/mac/drawingml/2011/main" xmlns:a14="http://schemas.microsoft.com/office/drawing/2010/main" xmlns:m="http://schemas.openxmlformats.org/officeDocument/2006/math" xmlns="" val="1"/>
             </a:ext>
           </a:extLst>
         </p:spPr>
